--- a/Startup/Socheton_Academic_Care.pptx
+++ b/Startup/Socheton_Academic_Care.pptx
@@ -18454,7 +18454,7 @@
           <a:p>
             <a:fld id="{BD302FDB-5DD1-4BC3-ABC3-A2B039A0A405}" type="datetimeFigureOut">
               <a:rPr lang="en-US" smtClean="0"/>
-              <a:t>9/28/2020</a:t>
+              <a:t>10/19/2020</a:t>
             </a:fld>
             <a:endParaRPr lang="en-US" dirty="0"/>
           </a:p>
@@ -19206,7 +19206,7 @@
           <a:p>
             <a:fld id="{E3CD44F6-68C3-400C-8537-CE2E82CF54C2}" type="datetimeFigureOut">
               <a:rPr lang="en-US" smtClean="0"/>
-              <a:t>9/28/2020</a:t>
+              <a:t>10/19/2020</a:t>
             </a:fld>
             <a:endParaRPr lang="en-US" dirty="0"/>
           </a:p>
@@ -19374,7 +19374,7 @@
           <a:p>
             <a:fld id="{E3CD44F6-68C3-400C-8537-CE2E82CF54C2}" type="datetimeFigureOut">
               <a:rPr lang="en-US" smtClean="0"/>
-              <a:t>9/28/2020</a:t>
+              <a:t>10/19/2020</a:t>
             </a:fld>
             <a:endParaRPr lang="en-US" dirty="0"/>
           </a:p>
@@ -19552,7 +19552,7 @@
           <a:p>
             <a:fld id="{E3CD44F6-68C3-400C-8537-CE2E82CF54C2}" type="datetimeFigureOut">
               <a:rPr lang="en-US" smtClean="0"/>
-              <a:t>9/28/2020</a:t>
+              <a:t>10/19/2020</a:t>
             </a:fld>
             <a:endParaRPr lang="en-US" dirty="0"/>
           </a:p>
@@ -20044,7 +20044,7 @@
           <a:p>
             <a:fld id="{E3CD44F6-68C3-400C-8537-CE2E82CF54C2}" type="datetimeFigureOut">
               <a:rPr lang="en-US" smtClean="0"/>
-              <a:t>9/28/2020</a:t>
+              <a:t>10/19/2020</a:t>
             </a:fld>
             <a:endParaRPr lang="en-US" dirty="0"/>
           </a:p>
@@ -20329,7 +20329,7 @@
           <a:p>
             <a:fld id="{E3CD44F6-68C3-400C-8537-CE2E82CF54C2}" type="datetimeFigureOut">
               <a:rPr lang="en-US" smtClean="0"/>
-              <a:t>9/28/2020</a:t>
+              <a:t>10/19/2020</a:t>
             </a:fld>
             <a:endParaRPr lang="en-US" dirty="0"/>
           </a:p>
@@ -20748,7 +20748,7 @@
           <a:p>
             <a:fld id="{E3CD44F6-68C3-400C-8537-CE2E82CF54C2}" type="datetimeFigureOut">
               <a:rPr lang="en-US" smtClean="0"/>
-              <a:t>9/28/2020</a:t>
+              <a:t>10/19/2020</a:t>
             </a:fld>
             <a:endParaRPr lang="en-US" dirty="0"/>
           </a:p>
@@ -20865,7 +20865,7 @@
           <a:p>
             <a:fld id="{E3CD44F6-68C3-400C-8537-CE2E82CF54C2}" type="datetimeFigureOut">
               <a:rPr lang="en-US" smtClean="0"/>
-              <a:t>9/28/2020</a:t>
+              <a:t>10/19/2020</a:t>
             </a:fld>
             <a:endParaRPr lang="en-US" dirty="0"/>
           </a:p>
@@ -20960,7 +20960,7 @@
           <a:p>
             <a:fld id="{E3CD44F6-68C3-400C-8537-CE2E82CF54C2}" type="datetimeFigureOut">
               <a:rPr lang="en-US" smtClean="0"/>
-              <a:t>9/28/2020</a:t>
+              <a:t>10/19/2020</a:t>
             </a:fld>
             <a:endParaRPr lang="en-US" dirty="0"/>
           </a:p>
@@ -21235,7 +21235,7 @@
           <a:p>
             <a:fld id="{E3CD44F6-68C3-400C-8537-CE2E82CF54C2}" type="datetimeFigureOut">
               <a:rPr lang="en-US" smtClean="0"/>
-              <a:t>9/28/2020</a:t>
+              <a:t>10/19/2020</a:t>
             </a:fld>
             <a:endParaRPr lang="en-US" dirty="0"/>
           </a:p>
@@ -21487,7 +21487,7 @@
           <a:p>
             <a:fld id="{E3CD44F6-68C3-400C-8537-CE2E82CF54C2}" type="datetimeFigureOut">
               <a:rPr lang="en-US" smtClean="0"/>
-              <a:t>9/28/2020</a:t>
+              <a:t>10/19/2020</a:t>
             </a:fld>
             <a:endParaRPr lang="en-US" dirty="0"/>
           </a:p>
@@ -21698,7 +21698,7 @@
           <a:p>
             <a:fld id="{E3CD44F6-68C3-400C-8537-CE2E82CF54C2}" type="datetimeFigureOut">
               <a:rPr lang="en-US" smtClean="0"/>
-              <a:t>9/28/2020</a:t>
+              <a:t>10/19/2020</a:t>
             </a:fld>
             <a:endParaRPr lang="en-US" dirty="0"/>
           </a:p>
@@ -22203,12 +22203,14 @@
         </p:nvSpPr>
         <p:spPr>
           <a:xfrm>
-            <a:off x="457200" y="457201"/>
-            <a:ext cx="8229600" cy="5181600"/>
+            <a:off x="457200" y="304800"/>
+            <a:ext cx="8229600" cy="5334001"/>
           </a:xfrm>
         </p:spPr>
         <p:txBody>
-          <a:bodyPr/>
+          <a:bodyPr>
+            <a:normAutofit fontScale="92500" lnSpcReduction="20000"/>
+          </a:bodyPr>
           <a:lstStyle/>
           <a:p>
             <a:pPr marL="0" indent="0" algn="ctr">
@@ -22254,7 +22256,21 @@
                 <a:latin typeface="Times New Roman" panose="02020603050405020304" pitchFamily="18" charset="0"/>
                 <a:cs typeface="Times New Roman" panose="02020603050405020304" pitchFamily="18" charset="0"/>
               </a:rPr>
-              <a:t>Video Feedback as Home Work (VHW)</a:t>
+              <a:t>Use of Internet Bandwidth Connector (IBC) up to 8 </a:t>
+            </a:r>
+            <a:r>
+              <a:rPr lang="en-US" sz="2200" dirty="0" err="1">
+                <a:latin typeface="Times New Roman" panose="02020603050405020304" pitchFamily="18" charset="0"/>
+                <a:cs typeface="Times New Roman" panose="02020603050405020304" pitchFamily="18" charset="0"/>
+              </a:rPr>
+              <a:t>mbps</a:t>
+            </a:r>
+            <a:r>
+              <a:rPr lang="en-US" sz="2200" dirty="0">
+                <a:latin typeface="Times New Roman" panose="02020603050405020304" pitchFamily="18" charset="0"/>
+                <a:cs typeface="Times New Roman" panose="02020603050405020304" pitchFamily="18" charset="0"/>
+              </a:rPr>
+              <a:t> for remote areas</a:t>
             </a:r>
           </a:p>
           <a:p>
@@ -22267,7 +22283,7 @@
                 <a:latin typeface="Times New Roman" panose="02020603050405020304" pitchFamily="18" charset="0"/>
                 <a:cs typeface="Times New Roman" panose="02020603050405020304" pitchFamily="18" charset="0"/>
               </a:rPr>
-              <a:t>SMART Exam System and Surveys</a:t>
+              <a:t>Internet Stabilizer for weak connectivity area</a:t>
             </a:r>
           </a:p>
           <a:p>
@@ -22280,7 +22296,7 @@
                 <a:latin typeface="Times New Roman" panose="02020603050405020304" pitchFamily="18" charset="0"/>
                 <a:cs typeface="Times New Roman" panose="02020603050405020304" pitchFamily="18" charset="0"/>
               </a:rPr>
-              <a:t>Keep Class Schedules Online (SMART Scheduling)</a:t>
+              <a:t>Video Feedback as Home Work (VHW)</a:t>
             </a:r>
           </a:p>
           <a:p>
@@ -22293,7 +22309,7 @@
                 <a:latin typeface="Times New Roman" panose="02020603050405020304" pitchFamily="18" charset="0"/>
                 <a:cs typeface="Times New Roman" panose="02020603050405020304" pitchFamily="18" charset="0"/>
               </a:rPr>
-              <a:t>Channel Videos for Teaching (Relevant Different Channels from Online)</a:t>
+              <a:t>SMART Exam System and Surveys</a:t>
             </a:r>
           </a:p>
           <a:p>
@@ -22306,7 +22322,7 @@
                 <a:latin typeface="Times New Roman" panose="02020603050405020304" pitchFamily="18" charset="0"/>
                 <a:cs typeface="Times New Roman" panose="02020603050405020304" pitchFamily="18" charset="0"/>
               </a:rPr>
-              <a:t>Master Video Tutorials for eLearning</a:t>
+              <a:t>Keep Class Schedules Online (SMART Scheduling)</a:t>
             </a:r>
           </a:p>
           <a:p>
@@ -22319,7 +22335,7 @@
                 <a:latin typeface="Times New Roman" panose="02020603050405020304" pitchFamily="18" charset="0"/>
                 <a:cs typeface="Times New Roman" panose="02020603050405020304" pitchFamily="18" charset="0"/>
               </a:rPr>
-              <a:t>Photo Hit Social Media</a:t>
+              <a:t>Channel Videos for Teaching (Relevant Different Channels from Online)</a:t>
             </a:r>
           </a:p>
           <a:p>
@@ -22332,8 +22348,70 @@
                 <a:latin typeface="Times New Roman" panose="02020603050405020304" pitchFamily="18" charset="0"/>
                 <a:cs typeface="Times New Roman" panose="02020603050405020304" pitchFamily="18" charset="0"/>
               </a:rPr>
+              <a:t>Master Video Tutorials for eLearning</a:t>
+            </a:r>
+          </a:p>
+          <a:p>
+            <a:pPr lvl="1" algn="just">
+              <a:buFont typeface="Wingdings" panose="05000000000000000000" pitchFamily="2" charset="2"/>
+              <a:buChar char="v"/>
+            </a:pPr>
+            <a:r>
+              <a:rPr lang="en-US" sz="2200" dirty="0">
+                <a:latin typeface="Times New Roman" panose="02020603050405020304" pitchFamily="18" charset="0"/>
+                <a:cs typeface="Times New Roman" panose="02020603050405020304" pitchFamily="18" charset="0"/>
+              </a:rPr>
+              <a:t>Photo Hit Social Media</a:t>
+            </a:r>
+          </a:p>
+          <a:p>
+            <a:pPr lvl="1" algn="just">
+              <a:buFont typeface="Wingdings" panose="05000000000000000000" pitchFamily="2" charset="2"/>
+              <a:buChar char="v"/>
+            </a:pPr>
+            <a:r>
+              <a:rPr lang="en-US" sz="2200" dirty="0">
+                <a:latin typeface="Times New Roman" panose="02020603050405020304" pitchFamily="18" charset="0"/>
+                <a:cs typeface="Times New Roman" panose="02020603050405020304" pitchFamily="18" charset="0"/>
+              </a:rPr>
               <a:t>Edu-Gamification</a:t>
             </a:r>
+          </a:p>
+          <a:p>
+            <a:pPr lvl="1" algn="just">
+              <a:buFont typeface="Wingdings" panose="05000000000000000000" pitchFamily="2" charset="2"/>
+              <a:buChar char="v"/>
+            </a:pPr>
+            <a:r>
+              <a:rPr lang="en-US" sz="2200" dirty="0">
+                <a:latin typeface="Times New Roman" panose="02020603050405020304" pitchFamily="18" charset="0"/>
+                <a:cs typeface="Times New Roman" panose="02020603050405020304" pitchFamily="18" charset="0"/>
+              </a:rPr>
+              <a:t>8 Divisions, 64 Districts &amp; 3000+ Union Parishad Level Service Providers</a:t>
+            </a:r>
+          </a:p>
+          <a:p>
+            <a:pPr lvl="1" algn="just">
+              <a:buFont typeface="Wingdings" panose="05000000000000000000" pitchFamily="2" charset="2"/>
+              <a:buChar char="v"/>
+            </a:pPr>
+            <a:r>
+              <a:rPr lang="en-US" sz="2200" dirty="0">
+                <a:latin typeface="Times New Roman" panose="02020603050405020304" pitchFamily="18" charset="0"/>
+                <a:cs typeface="Times New Roman" panose="02020603050405020304" pitchFamily="18" charset="0"/>
+              </a:rPr>
+              <a:t>24*7 Online-based It Support Facilities (Live)</a:t>
+            </a:r>
+          </a:p>
+          <a:p>
+            <a:pPr lvl="1" algn="just">
+              <a:buFont typeface="Wingdings" panose="05000000000000000000" pitchFamily="2" charset="2"/>
+              <a:buChar char="v"/>
+            </a:pPr>
+            <a:endParaRPr lang="en-US" sz="2200" dirty="0">
+              <a:latin typeface="Times New Roman" panose="02020603050405020304" pitchFamily="18" charset="0"/>
+              <a:cs typeface="Times New Roman" panose="02020603050405020304" pitchFamily="18" charset="0"/>
+            </a:endParaRPr>
           </a:p>
         </p:txBody>
       </p:sp>
@@ -29848,8 +29926,8 @@
         </p:nvSpPr>
         <p:spPr>
           <a:xfrm>
-            <a:off x="609600" y="1318022"/>
-            <a:ext cx="7869070" cy="4154984"/>
+            <a:off x="609600" y="924119"/>
+            <a:ext cx="7869070" cy="5135060"/>
           </a:xfrm>
           <a:prstGeom prst="rect">
             <a:avLst/>
@@ -29863,9 +29941,6 @@
           <a:lstStyle/>
           <a:p>
             <a:pPr algn="just" defTabSz="685800">
-              <a:lnSpc>
-                <a:spcPct val="150000"/>
-              </a:lnSpc>
               <a:buClr>
                 <a:srgbClr val="C00000"/>
               </a:buClr>
@@ -29892,9 +29967,6 @@
           </a:p>
           <a:p>
             <a:pPr marL="457200" indent="-457200" algn="just" defTabSz="685800">
-              <a:lnSpc>
-                <a:spcPct val="150000"/>
-              </a:lnSpc>
               <a:buClr>
                 <a:srgbClr val="C00000"/>
               </a:buClr>
@@ -29903,25 +29975,108 @@
               <a:defRPr/>
             </a:pPr>
             <a:r>
-              <a:rPr lang="en-US" sz="2200" b="1" spc="-53" dirty="0">
+              <a:rPr lang="en-US" sz="2000" b="1" spc="-53" dirty="0">
                 <a:latin typeface="Times New Roman" panose="02020603050405020304" pitchFamily="18" charset="0"/>
                 <a:cs typeface="Times New Roman" panose="02020603050405020304" pitchFamily="18" charset="0"/>
               </a:rPr>
-              <a:t>Funding Sources:</a:t>
-            </a:r>
-            <a:r>
-              <a:rPr lang="en-US" sz="2200" spc="-53" dirty="0">
+              <a:t>Direct Funding Sources (Institute) Approximate Idea:</a:t>
+            </a:r>
+          </a:p>
+          <a:p>
+            <a:pPr marL="457200" algn="just" defTabSz="685800">
+              <a:buClr>
+                <a:srgbClr val="C00000"/>
+              </a:buClr>
+              <a:defRPr/>
+            </a:pPr>
+            <a:r>
+              <a:rPr lang="en-US" spc="-53" dirty="0">
                 <a:latin typeface="Times New Roman" panose="02020603050405020304" pitchFamily="18" charset="0"/>
                 <a:cs typeface="Times New Roman" panose="02020603050405020304" pitchFamily="18" charset="0"/>
               </a:rPr>
-              <a:t> IDEA Project, A2I Project, Personal, Directors funds and donors fund</a:t>
+              <a:t>1. Yearly Allocation (): BDT 100,000 to 500,000</a:t>
+            </a:r>
+          </a:p>
+          <a:p>
+            <a:pPr marL="457200" algn="just" defTabSz="685800">
+              <a:buClr>
+                <a:srgbClr val="C00000"/>
+              </a:buClr>
+              <a:defRPr/>
+            </a:pPr>
+            <a:r>
+              <a:rPr lang="en-US" spc="-53" dirty="0">
+                <a:latin typeface="Times New Roman" panose="02020603050405020304" pitchFamily="18" charset="0"/>
+                <a:cs typeface="Times New Roman" panose="02020603050405020304" pitchFamily="18" charset="0"/>
+              </a:rPr>
+              <a:t>2. Guest Cost: BDT 50,000</a:t>
+            </a:r>
+          </a:p>
+          <a:p>
+            <a:pPr marL="457200" algn="just" defTabSz="685800">
+              <a:buClr>
+                <a:srgbClr val="C00000"/>
+              </a:buClr>
+              <a:defRPr/>
+            </a:pPr>
+            <a:r>
+              <a:rPr lang="en-US" spc="-53" dirty="0">
+                <a:latin typeface="Times New Roman" panose="02020603050405020304" pitchFamily="18" charset="0"/>
+                <a:cs typeface="Times New Roman" panose="02020603050405020304" pitchFamily="18" charset="0"/>
+              </a:rPr>
+              <a:t>3. Meeting Cost: BDT 50,000</a:t>
+            </a:r>
+          </a:p>
+          <a:p>
+            <a:pPr marL="457200" algn="just" defTabSz="685800">
+              <a:buClr>
+                <a:srgbClr val="C00000"/>
+              </a:buClr>
+              <a:defRPr/>
+            </a:pPr>
+            <a:r>
+              <a:rPr lang="en-US" spc="-53" dirty="0">
+                <a:latin typeface="Times New Roman" panose="02020603050405020304" pitchFamily="18" charset="0"/>
+                <a:cs typeface="Times New Roman" panose="02020603050405020304" pitchFamily="18" charset="0"/>
+              </a:rPr>
+              <a:t>4. Repairment Cost: BDT 60,000</a:t>
+            </a:r>
+          </a:p>
+          <a:p>
+            <a:pPr marL="457200" algn="just" defTabSz="685800">
+              <a:buClr>
+                <a:srgbClr val="C00000"/>
+              </a:buClr>
+              <a:defRPr/>
+            </a:pPr>
+            <a:r>
+              <a:rPr lang="en-US" spc="-53" dirty="0">
+                <a:latin typeface="Times New Roman" panose="02020603050405020304" pitchFamily="18" charset="0"/>
+                <a:cs typeface="Times New Roman" panose="02020603050405020304" pitchFamily="18" charset="0"/>
+              </a:rPr>
+              <a:t>5. Miscellaneous Cost: 5-10 percent on total budget</a:t>
+            </a:r>
+          </a:p>
+          <a:p>
+            <a:pPr marL="457200" algn="just" defTabSz="685800">
+              <a:buClr>
+                <a:srgbClr val="C00000"/>
+              </a:buClr>
+              <a:defRPr/>
+            </a:pPr>
+            <a:r>
+              <a:rPr lang="en-US" spc="-53" dirty="0">
+                <a:solidFill>
+                  <a:srgbClr val="FF0000"/>
+                </a:solidFill>
+                <a:latin typeface="Times New Roman" panose="02020603050405020304" pitchFamily="18" charset="0"/>
+                <a:cs typeface="Times New Roman" panose="02020603050405020304" pitchFamily="18" charset="0"/>
+              </a:rPr>
+              <a:t>Note: Every year these budgets are available. However, due to COVID-19 situation all the budget have been reserved. Institute can use this budget as their funding source as well.</a:t>
             </a:r>
           </a:p>
           <a:p>
             <a:pPr marL="457200" indent="-457200" algn="just" defTabSz="685800">
-              <a:lnSpc>
-                <a:spcPct val="150000"/>
-              </a:lnSpc>
               <a:buClr>
                 <a:srgbClr val="C00000"/>
               </a:buClr>
@@ -29930,25 +30085,22 @@
               <a:defRPr/>
             </a:pPr>
             <a:r>
-              <a:rPr lang="en-US" sz="2200" b="1" spc="-53" dirty="0">
+              <a:rPr lang="en-US" sz="2000" b="1" spc="-53" dirty="0">
                 <a:latin typeface="Times New Roman" panose="02020603050405020304" pitchFamily="18" charset="0"/>
                 <a:cs typeface="Times New Roman" panose="02020603050405020304" pitchFamily="18" charset="0"/>
               </a:rPr>
-              <a:t>Fund Amount:</a:t>
-            </a:r>
-            <a:r>
-              <a:rPr lang="en-US" sz="2200" spc="-53" dirty="0">
+              <a:t>Funding Sources:</a:t>
+            </a:r>
+            <a:r>
+              <a:rPr lang="en-US" spc="-53" dirty="0">
                 <a:latin typeface="Times New Roman" panose="02020603050405020304" pitchFamily="18" charset="0"/>
                 <a:cs typeface="Times New Roman" panose="02020603050405020304" pitchFamily="18" charset="0"/>
               </a:rPr>
-              <a:t> Preliminary BDT 1,000,000</a:t>
+              <a:t> IDEA Project, A2I Project, Personal, Directors funds and donors fund</a:t>
             </a:r>
           </a:p>
           <a:p>
             <a:pPr marL="457200" indent="-457200" algn="just" defTabSz="685800">
-              <a:lnSpc>
-                <a:spcPct val="150000"/>
-              </a:lnSpc>
               <a:buClr>
                 <a:srgbClr val="C00000"/>
               </a:buClr>
@@ -29957,14 +30109,38 @@
               <a:defRPr/>
             </a:pPr>
             <a:r>
-              <a:rPr lang="en-US" sz="2200" b="1" spc="-53" dirty="0">
+              <a:rPr lang="en-US" sz="2000" b="1" spc="-53" dirty="0">
+                <a:latin typeface="Times New Roman" panose="02020603050405020304" pitchFamily="18" charset="0"/>
+                <a:cs typeface="Times New Roman" panose="02020603050405020304" pitchFamily="18" charset="0"/>
+              </a:rPr>
+              <a:t>Fund Amount:</a:t>
+            </a:r>
+            <a:r>
+              <a:rPr lang="en-US" spc="-53" dirty="0">
+                <a:latin typeface="Times New Roman" panose="02020603050405020304" pitchFamily="18" charset="0"/>
+                <a:cs typeface="Times New Roman" panose="02020603050405020304" pitchFamily="18" charset="0"/>
+              </a:rPr>
+              <a:t> Preliminary BDT 10,000,000 for project startup</a:t>
+            </a:r>
+          </a:p>
+          <a:p>
+            <a:pPr marL="457200" indent="-457200" algn="just" defTabSz="685800">
+              <a:buClr>
+                <a:srgbClr val="C00000"/>
+              </a:buClr>
+              <a:buFont typeface="Wingdings" panose="05000000000000000000" pitchFamily="2" charset="2"/>
+              <a:buChar char="§"/>
+              <a:defRPr/>
+            </a:pPr>
+            <a:r>
+              <a:rPr lang="en-US" sz="2000" b="1" spc="-53" dirty="0">
                 <a:latin typeface="Times New Roman" panose="02020603050405020304" pitchFamily="18" charset="0"/>
                 <a:cs typeface="Times New Roman" panose="02020603050405020304" pitchFamily="18" charset="0"/>
               </a:rPr>
               <a:t>Use of Funds:</a:t>
             </a:r>
             <a:r>
-              <a:rPr lang="en-US" sz="2200" spc="-53" dirty="0">
+              <a:rPr lang="en-US" spc="-53" dirty="0">
                 <a:latin typeface="Times New Roman" panose="02020603050405020304" pitchFamily="18" charset="0"/>
                 <a:cs typeface="Times New Roman" panose="02020603050405020304" pitchFamily="18" charset="0"/>
               </a:rPr>
